--- a/Project Group 8.pptx
+++ b/Project Group 8.pptx
@@ -1,6 +1,6 @@
 
 <file path=ppt/presentation.xml><?xml version="1.0" encoding="utf-8"?>
-<p:presentation xmlns:a="http://schemas.openxmlformats.org/drawingml/2006/main" xmlns:r="http://schemas.openxmlformats.org/officeDocument/2006/relationships" xmlns:mc="http://schemas.openxmlformats.org/markup-compatibility/2006" xmlns:mv="urn:schemas-microsoft-com:mac:vml" xmlns:p="http://schemas.openxmlformats.org/presentationml/2006/main" xmlns:c="http://schemas.openxmlformats.org/drawingml/2006/chart" xmlns:dgm="http://schemas.openxmlformats.org/drawingml/2006/diagram" xmlns:o="urn:schemas-microsoft-com:office:office" xmlns:v="urn:schemas-microsoft-com:vml" xmlns:pvml="urn:schemas-microsoft-com:office:powerpoint" xmlns:com="http://schemas.openxmlformats.org/drawingml/2006/compatibility" xmlns:p14="http://schemas.microsoft.com/office/powerpoint/2010/main" xmlns:p15="http://schemas.microsoft.com/office/powerpoint/2012/main" xmlns:ahyp="http://schemas.microsoft.com/office/drawing/2018/hyperlinkcolor" autoCompressPictures="0" embedTrueTypeFonts="1" strictFirstAndLastChars="0" saveSubsetFonts="1">
+<p:presentation xmlns:a="http://schemas.openxmlformats.org/drawingml/2006/main" xmlns:r="http://schemas.openxmlformats.org/officeDocument/2006/relationships" xmlns:mc="http://schemas.openxmlformats.org/markup-compatibility/2006" xmlns:mv="urn:schemas-microsoft-com:mac:vml" xmlns:p="http://schemas.openxmlformats.org/presentationml/2006/main" xmlns:c="http://schemas.openxmlformats.org/drawingml/2006/chart" xmlns:dgm="http://schemas.openxmlformats.org/drawingml/2006/diagram" xmlns:o="urn:schemas-microsoft-com:office:office" xmlns:v="urn:schemas-microsoft-com:vml" xmlns:pvml="urn:schemas-microsoft-com:office:powerpoint" xmlns:com="http://schemas.openxmlformats.org/drawingml/2006/compatibility" xmlns:p14="http://schemas.microsoft.com/office/powerpoint/2010/main" xmlns:p15="http://schemas.microsoft.com/office/powerpoint/2012/main" xmlns:ahyp="http://schemas.microsoft.com/office/drawing/2018/hyperlinkcolor" autoCompressPictures="0" embedTrueTypeFonts="1" strictFirstAndLastChars="0" saveSubsetFonts="1" showSpecialPlsOnTitleSld="0">
   <p:sldMasterIdLst>
     <p:sldMasterId id="2147483659" r:id="rId5"/>
   </p:sldMasterIdLst>
@@ -909,7 +909,7 @@
   <p:cSld>
     <p:spTree>
       <p:nvGrpSpPr>
-        <p:cNvPr id="303" name="Shape 303"/>
+        <p:cNvPr id="304" name="Shape 304"/>
         <p:cNvGrpSpPr/>
         <p:nvPr/>
       </p:nvGrpSpPr>
@@ -923,7 +923,7 @@
       </p:grpSpPr>
       <p:sp>
         <p:nvSpPr>
-          <p:cNvPr id="304" name="Google Shape;304;g100423f02e9_0_5:notes"/>
+          <p:cNvPr id="305" name="Google Shape;305;g100423f02e9_0_5:notes"/>
           <p:cNvSpPr/>
           <p:nvPr>
             <p:ph idx="2" type="sldImg"/>
@@ -958,7 +958,7 @@
       </p:sp>
       <p:sp>
         <p:nvSpPr>
-          <p:cNvPr id="305" name="Google Shape;305;g100423f02e9_0_5:notes"/>
+          <p:cNvPr id="306" name="Google Shape;306;g100423f02e9_0_5:notes"/>
           <p:cNvSpPr txBox="1"/>
           <p:nvPr>
             <p:ph idx="1" type="body"/>
@@ -1008,7 +1008,7 @@
   <p:cSld>
     <p:spTree>
       <p:nvGrpSpPr>
-        <p:cNvPr id="309" name="Shape 309"/>
+        <p:cNvPr id="311" name="Shape 311"/>
         <p:cNvGrpSpPr/>
         <p:nvPr/>
       </p:nvGrpSpPr>
@@ -1022,7 +1022,7 @@
       </p:grpSpPr>
       <p:sp>
         <p:nvSpPr>
-          <p:cNvPr id="310" name="Google Shape;310;g100423f02e9_0_10:notes"/>
+          <p:cNvPr id="312" name="Google Shape;312;g100423f02e9_0_10:notes"/>
           <p:cNvSpPr/>
           <p:nvPr>
             <p:ph idx="2" type="sldImg"/>
@@ -1057,7 +1057,7 @@
       </p:sp>
       <p:sp>
         <p:nvSpPr>
-          <p:cNvPr id="311" name="Google Shape;311;g100423f02e9_0_10:notes"/>
+          <p:cNvPr id="313" name="Google Shape;313;g100423f02e9_0_10:notes"/>
           <p:cNvSpPr txBox="1"/>
           <p:nvPr>
             <p:ph idx="1" type="body"/>
@@ -1107,7 +1107,7 @@
   <p:cSld>
     <p:spTree>
       <p:nvGrpSpPr>
-        <p:cNvPr id="315" name="Shape 315"/>
+        <p:cNvPr id="318" name="Shape 318"/>
         <p:cNvGrpSpPr/>
         <p:nvPr/>
       </p:nvGrpSpPr>
@@ -1121,7 +1121,7 @@
       </p:grpSpPr>
       <p:sp>
         <p:nvSpPr>
-          <p:cNvPr id="316" name="Google Shape;316;g100423f02e9_0_15:notes"/>
+          <p:cNvPr id="319" name="Google Shape;319;g100423f02e9_0_15:notes"/>
           <p:cNvSpPr/>
           <p:nvPr>
             <p:ph idx="2" type="sldImg"/>
@@ -1156,7 +1156,7 @@
       </p:sp>
       <p:sp>
         <p:nvSpPr>
-          <p:cNvPr id="317" name="Google Shape;317;g100423f02e9_0_15:notes"/>
+          <p:cNvPr id="320" name="Google Shape;320;g100423f02e9_0_15:notes"/>
           <p:cNvSpPr txBox="1"/>
           <p:nvPr>
             <p:ph idx="1" type="body"/>
@@ -1206,7 +1206,7 @@
   <p:cSld>
     <p:spTree>
       <p:nvGrpSpPr>
-        <p:cNvPr id="321" name="Shape 321"/>
+        <p:cNvPr id="325" name="Shape 325"/>
         <p:cNvGrpSpPr/>
         <p:nvPr/>
       </p:nvGrpSpPr>
@@ -1220,7 +1220,7 @@
       </p:grpSpPr>
       <p:sp>
         <p:nvSpPr>
-          <p:cNvPr id="322" name="Google Shape;322;g100423f02e9_0_20:notes"/>
+          <p:cNvPr id="326" name="Google Shape;326;g100423f02e9_0_20:notes"/>
           <p:cNvSpPr/>
           <p:nvPr>
             <p:ph idx="2" type="sldImg"/>
@@ -1255,7 +1255,7 @@
       </p:sp>
       <p:sp>
         <p:nvSpPr>
-          <p:cNvPr id="323" name="Google Shape;323;g100423f02e9_0_20:notes"/>
+          <p:cNvPr id="327" name="Google Shape;327;g100423f02e9_0_20:notes"/>
           <p:cNvSpPr txBox="1"/>
           <p:nvPr>
             <p:ph idx="1" type="body"/>
@@ -1276,9 +1276,49 @@
           </a:bodyPr>
           <a:lstStyle/>
           <a:p>
+            <a:pPr indent="-330200" lvl="0" marL="457200" rtl="0" algn="l">
+              <a:lnSpc>
+                <a:spcPct val="115000"/>
+              </a:lnSpc>
+              <a:spcBef>
+                <a:spcPts val="0"/>
+              </a:spcBef>
+              <a:spcAft>
+                <a:spcPts val="0"/>
+              </a:spcAft>
+              <a:buClr>
+                <a:srgbClr val="424242"/>
+              </a:buClr>
+              <a:buSzPts val="1600"/>
+              <a:buFont typeface="Nunito"/>
+              <a:buChar char="●"/>
+            </a:pPr>
+            <a:r>
+              <a:rPr lang="en-GB" sz="1600">
+                <a:solidFill>
+                  <a:srgbClr val="424242"/>
+                </a:solidFill>
+                <a:latin typeface="Nunito"/>
+                <a:ea typeface="Nunito"/>
+                <a:cs typeface="Nunito"/>
+                <a:sym typeface="Nunito"/>
+              </a:rPr>
+              <a:t>property buyers the optimum price and calculate highest ROI. </a:t>
+            </a:r>
+            <a:endParaRPr sz="1600">
+              <a:solidFill>
+                <a:srgbClr val="424242"/>
+              </a:solidFill>
+              <a:latin typeface="Nunito"/>
+              <a:ea typeface="Nunito"/>
+              <a:cs typeface="Nunito"/>
+              <a:sym typeface="Nunito"/>
+            </a:endParaRPr>
+          </a:p>
+          <a:p>
             <a:pPr indent="0" lvl="0" marL="0" rtl="0" algn="l">
               <a:spcBef>
-                <a:spcPts val="0"/>
+                <a:spcPts val="1200"/>
               </a:spcBef>
               <a:spcAft>
                 <a:spcPts val="0"/>
@@ -1305,7 +1345,7 @@
   <p:cSld>
     <p:spTree>
       <p:nvGrpSpPr>
-        <p:cNvPr id="327" name="Shape 327"/>
+        <p:cNvPr id="332" name="Shape 332"/>
         <p:cNvGrpSpPr/>
         <p:nvPr/>
       </p:nvGrpSpPr>
@@ -1319,7 +1359,7 @@
       </p:grpSpPr>
       <p:sp>
         <p:nvSpPr>
-          <p:cNvPr id="328" name="Google Shape;328;g1005eaa33f0_3_404:notes"/>
+          <p:cNvPr id="333" name="Google Shape;333;g1005eaa33f0_3_404:notes"/>
           <p:cNvSpPr/>
           <p:nvPr>
             <p:ph idx="2" type="sldImg"/>
@@ -1354,7 +1394,7 @@
       </p:sp>
       <p:sp>
         <p:nvSpPr>
-          <p:cNvPr id="329" name="Google Shape;329;g1005eaa33f0_3_404:notes"/>
+          <p:cNvPr id="334" name="Google Shape;334;g1005eaa33f0_3_404:notes"/>
           <p:cNvSpPr txBox="1"/>
           <p:nvPr>
             <p:ph idx="1" type="body"/>
@@ -14977,7 +15017,7 @@
     <p:sldLayoutId id="2147483657" r:id="rId10"/>
     <p:sldLayoutId id="2147483658" r:id="rId11"/>
   </p:sldLayoutIdLst>
-  <p:hf dt="0" ftr="0" hdr="0" sldNum="0"/>
+  <p:hf dt="0" ftr="0" hdr="0"/>
   <p:txStyles>
     <p:titleStyle>
       <a:defPPr lvl="0" marR="0" rtl="0" algn="l">
@@ -15793,6 +15833,13 @@
 <file path=ppt/slides/slide2.xml><?xml version="1.0" encoding="utf-8"?>
 <p:sld xmlns:a="http://schemas.openxmlformats.org/drawingml/2006/main" xmlns:r="http://schemas.openxmlformats.org/officeDocument/2006/relationships" xmlns:mc="http://schemas.openxmlformats.org/markup-compatibility/2006" xmlns:mv="urn:schemas-microsoft-com:mac:vml" xmlns:p="http://schemas.openxmlformats.org/presentationml/2006/main" xmlns:c="http://schemas.openxmlformats.org/drawingml/2006/chart" xmlns:dgm="http://schemas.openxmlformats.org/drawingml/2006/diagram" xmlns:o="urn:schemas-microsoft-com:office:office" xmlns:v="urn:schemas-microsoft-com:vml" xmlns:pvml="urn:schemas-microsoft-com:office:powerpoint" xmlns:com="http://schemas.openxmlformats.org/drawingml/2006/compatibility" xmlns:p14="http://schemas.microsoft.com/office/powerpoint/2010/main" xmlns:p15="http://schemas.microsoft.com/office/powerpoint/2012/main" xmlns:ahyp="http://schemas.microsoft.com/office/drawing/2018/hyperlinkcolor">
   <p:cSld>
+    <p:bg>
+      <p:bgPr>
+        <a:solidFill>
+          <a:schemeClr val="lt2"/>
+        </a:solidFill>
+      </p:bgPr>
+    </p:bg>
     <p:spTree>
       <p:nvGrpSpPr>
         <p:cNvPr id="282" name="Shape 282"/>
@@ -15862,7 +15909,7 @@
             <a:tbl>
               <a:tblPr>
                 <a:noFill/>
-                <a:tableStyleId>{EA59319B-2F27-43B7-82A0-7D922E2A4F7E}</a:tableStyleId>
+                <a:tableStyleId>{7B7BDCE4-B32D-4F54-B207-589D9045648D}</a:tableStyleId>
               </a:tblPr>
               <a:tblGrid>
                 <a:gridCol w="1287925"/>
@@ -16358,7 +16405,7 @@
         </p:nvSpPr>
         <p:spPr>
           <a:xfrm>
-            <a:off x="5662775" y="3758550"/>
+            <a:off x="5725775" y="3758550"/>
             <a:ext cx="1820700" cy="400200"/>
           </a:xfrm>
           <a:prstGeom prst="rect">
@@ -16484,7 +16531,7 @@
         </p:nvSpPr>
         <p:spPr>
           <a:xfrm>
-            <a:off x="5553725" y="3015038"/>
+            <a:off x="5725775" y="3015038"/>
             <a:ext cx="1694700" cy="400200"/>
           </a:xfrm>
           <a:prstGeom prst="rect">
@@ -17022,6 +17069,46 @@
           </a:p>
         </p:txBody>
       </p:sp>
+      <p:sp>
+        <p:nvSpPr>
+          <p:cNvPr id="303" name="Google Shape;303;p14"/>
+          <p:cNvSpPr txBox="1"/>
+          <p:nvPr>
+            <p:ph idx="12" type="sldNum"/>
+          </p:nvPr>
+        </p:nvSpPr>
+        <p:spPr>
+          <a:xfrm>
+            <a:off x="8451046" y="4736976"/>
+            <a:ext cx="548700" cy="393600"/>
+          </a:xfrm>
+          <a:prstGeom prst="rect">
+            <a:avLst/>
+          </a:prstGeom>
+        </p:spPr>
+        <p:txBody>
+          <a:bodyPr anchorCtr="0" anchor="ctr" bIns="91425" lIns="91425" spcFirstLastPara="1" rIns="91425" wrap="square" tIns="91425">
+            <a:normAutofit/>
+          </a:bodyPr>
+          <a:lstStyle/>
+          <a:p>
+            <a:pPr indent="0" lvl="0" marL="0" rtl="0" algn="r">
+              <a:spcBef>
+                <a:spcPts val="0"/>
+              </a:spcBef>
+              <a:spcAft>
+                <a:spcPts val="0"/>
+              </a:spcAft>
+              <a:buNone/>
+            </a:pPr>
+            <a:fld id="{00000000-1234-1234-1234-123412341234}" type="slidenum">
+              <a:rPr lang="en-GB"/>
+              <a:t>‹#›</a:t>
+            </a:fld>
+            <a:endParaRPr/>
+          </a:p>
+        </p:txBody>
+      </p:sp>
     </p:spTree>
   </p:cSld>
   <p:clrMapOvr>
@@ -17033,9 +17120,16 @@
 <file path=ppt/slides/slide3.xml><?xml version="1.0" encoding="utf-8"?>
 <p:sld xmlns:a="http://schemas.openxmlformats.org/drawingml/2006/main" xmlns:r="http://schemas.openxmlformats.org/officeDocument/2006/relationships" xmlns:mc="http://schemas.openxmlformats.org/markup-compatibility/2006" xmlns:mv="urn:schemas-microsoft-com:mac:vml" xmlns:p="http://schemas.openxmlformats.org/presentationml/2006/main" xmlns:c="http://schemas.openxmlformats.org/drawingml/2006/chart" xmlns:dgm="http://schemas.openxmlformats.org/drawingml/2006/diagram" xmlns:o="urn:schemas-microsoft-com:office:office" xmlns:v="urn:schemas-microsoft-com:vml" xmlns:pvml="urn:schemas-microsoft-com:office:powerpoint" xmlns:com="http://schemas.openxmlformats.org/drawingml/2006/compatibility" xmlns:p14="http://schemas.microsoft.com/office/powerpoint/2010/main" xmlns:p15="http://schemas.microsoft.com/office/powerpoint/2012/main" xmlns:ahyp="http://schemas.microsoft.com/office/drawing/2018/hyperlinkcolor">
   <p:cSld>
+    <p:bg>
+      <p:bgPr>
+        <a:solidFill>
+          <a:schemeClr val="lt2"/>
+        </a:solidFill>
+      </p:bgPr>
+    </p:bg>
     <p:spTree>
       <p:nvGrpSpPr>
-        <p:cNvPr id="306" name="Shape 306"/>
+        <p:cNvPr id="307" name="Shape 307"/>
         <p:cNvGrpSpPr/>
         <p:nvPr/>
       </p:nvGrpSpPr>
@@ -17049,7 +17143,7 @@
       </p:grpSpPr>
       <p:sp>
         <p:nvSpPr>
-          <p:cNvPr id="307" name="Google Shape;307;p15"/>
+          <p:cNvPr id="308" name="Google Shape;308;p15"/>
           <p:cNvSpPr txBox="1"/>
           <p:nvPr>
             <p:ph type="title"/>
@@ -17089,7 +17183,7 @@
       </p:sp>
       <p:sp>
         <p:nvSpPr>
-          <p:cNvPr id="308" name="Google Shape;308;p15"/>
+          <p:cNvPr id="309" name="Google Shape;309;p15"/>
           <p:cNvSpPr txBox="1"/>
           <p:nvPr>
             <p:ph idx="1" type="body"/>
@@ -17135,6 +17229,46 @@
           </a:p>
         </p:txBody>
       </p:sp>
+      <p:sp>
+        <p:nvSpPr>
+          <p:cNvPr id="310" name="Google Shape;310;p15"/>
+          <p:cNvSpPr txBox="1"/>
+          <p:nvPr>
+            <p:ph idx="12" type="sldNum"/>
+          </p:nvPr>
+        </p:nvSpPr>
+        <p:spPr>
+          <a:xfrm>
+            <a:off x="8451046" y="4736976"/>
+            <a:ext cx="548700" cy="393600"/>
+          </a:xfrm>
+          <a:prstGeom prst="rect">
+            <a:avLst/>
+          </a:prstGeom>
+        </p:spPr>
+        <p:txBody>
+          <a:bodyPr anchorCtr="0" anchor="ctr" bIns="91425" lIns="91425" spcFirstLastPara="1" rIns="91425" wrap="square" tIns="91425">
+            <a:normAutofit/>
+          </a:bodyPr>
+          <a:lstStyle/>
+          <a:p>
+            <a:pPr indent="0" lvl="0" marL="0" rtl="0" algn="r">
+              <a:spcBef>
+                <a:spcPts val="0"/>
+              </a:spcBef>
+              <a:spcAft>
+                <a:spcPts val="0"/>
+              </a:spcAft>
+              <a:buNone/>
+            </a:pPr>
+            <a:fld id="{00000000-1234-1234-1234-123412341234}" type="slidenum">
+              <a:rPr lang="en-GB"/>
+              <a:t>‹#›</a:t>
+            </a:fld>
+            <a:endParaRPr/>
+          </a:p>
+        </p:txBody>
+      </p:sp>
     </p:spTree>
   </p:cSld>
   <p:clrMapOvr>
@@ -17146,9 +17280,16 @@
 <file path=ppt/slides/slide4.xml><?xml version="1.0" encoding="utf-8"?>
 <p:sld xmlns:a="http://schemas.openxmlformats.org/drawingml/2006/main" xmlns:r="http://schemas.openxmlformats.org/officeDocument/2006/relationships" xmlns:mc="http://schemas.openxmlformats.org/markup-compatibility/2006" xmlns:mv="urn:schemas-microsoft-com:mac:vml" xmlns:p="http://schemas.openxmlformats.org/presentationml/2006/main" xmlns:c="http://schemas.openxmlformats.org/drawingml/2006/chart" xmlns:dgm="http://schemas.openxmlformats.org/drawingml/2006/diagram" xmlns:o="urn:schemas-microsoft-com:office:office" xmlns:v="urn:schemas-microsoft-com:vml" xmlns:pvml="urn:schemas-microsoft-com:office:powerpoint" xmlns:com="http://schemas.openxmlformats.org/drawingml/2006/compatibility" xmlns:p14="http://schemas.microsoft.com/office/powerpoint/2010/main" xmlns:p15="http://schemas.microsoft.com/office/powerpoint/2012/main" xmlns:ahyp="http://schemas.microsoft.com/office/drawing/2018/hyperlinkcolor">
   <p:cSld>
+    <p:bg>
+      <p:bgPr>
+        <a:solidFill>
+          <a:schemeClr val="lt2"/>
+        </a:solidFill>
+      </p:bgPr>
+    </p:bg>
     <p:spTree>
       <p:nvGrpSpPr>
-        <p:cNvPr id="312" name="Shape 312"/>
+        <p:cNvPr id="314" name="Shape 314"/>
         <p:cNvGrpSpPr/>
         <p:nvPr/>
       </p:nvGrpSpPr>
@@ -17162,7 +17303,7 @@
       </p:grpSpPr>
       <p:sp>
         <p:nvSpPr>
-          <p:cNvPr id="313" name="Google Shape;313;p16"/>
+          <p:cNvPr id="315" name="Google Shape;315;p16"/>
           <p:cNvSpPr txBox="1"/>
           <p:nvPr>
             <p:ph type="title"/>
@@ -17202,7 +17343,7 @@
       </p:sp>
       <p:sp>
         <p:nvSpPr>
-          <p:cNvPr id="314" name="Google Shape;314;p16"/>
+          <p:cNvPr id="316" name="Google Shape;316;p16"/>
           <p:cNvSpPr txBox="1"/>
           <p:nvPr>
             <p:ph idx="1" type="body"/>
@@ -17235,7 +17376,7 @@
             </a:pPr>
             <a:r>
               <a:rPr lang="en-GB" sz="1600"/>
-              <a:t>To aid residential property buyers to identify property locations in NYC are mostly likely to </a:t>
+              <a:t>To aid residential property buyers to identify property locations in NYC which are mostly likely to </a:t>
             </a:r>
             <a:r>
               <a:rPr lang="en-GB" sz="1600"/>
@@ -17263,6 +17404,46 @@
               <a:t>The dataset available for analysis was very robust</a:t>
             </a:r>
             <a:endParaRPr sz="1600"/>
+          </a:p>
+        </p:txBody>
+      </p:sp>
+      <p:sp>
+        <p:nvSpPr>
+          <p:cNvPr id="317" name="Google Shape;317;p16"/>
+          <p:cNvSpPr txBox="1"/>
+          <p:nvPr>
+            <p:ph idx="12" type="sldNum"/>
+          </p:nvPr>
+        </p:nvSpPr>
+        <p:spPr>
+          <a:xfrm>
+            <a:off x="8451046" y="4736976"/>
+            <a:ext cx="548700" cy="393600"/>
+          </a:xfrm>
+          <a:prstGeom prst="rect">
+            <a:avLst/>
+          </a:prstGeom>
+        </p:spPr>
+        <p:txBody>
+          <a:bodyPr anchorCtr="0" anchor="ctr" bIns="91425" lIns="91425" spcFirstLastPara="1" rIns="91425" wrap="square" tIns="91425">
+            <a:normAutofit/>
+          </a:bodyPr>
+          <a:lstStyle/>
+          <a:p>
+            <a:pPr indent="0" lvl="0" marL="0" rtl="0" algn="r">
+              <a:spcBef>
+                <a:spcPts val="0"/>
+              </a:spcBef>
+              <a:spcAft>
+                <a:spcPts val="0"/>
+              </a:spcAft>
+              <a:buNone/>
+            </a:pPr>
+            <a:fld id="{00000000-1234-1234-1234-123412341234}" type="slidenum">
+              <a:rPr lang="en-GB"/>
+              <a:t>‹#›</a:t>
+            </a:fld>
+            <a:endParaRPr/>
           </a:p>
         </p:txBody>
       </p:sp>
@@ -17277,9 +17458,16 @@
 <file path=ppt/slides/slide5.xml><?xml version="1.0" encoding="utf-8"?>
 <p:sld xmlns:a="http://schemas.openxmlformats.org/drawingml/2006/main" xmlns:r="http://schemas.openxmlformats.org/officeDocument/2006/relationships" xmlns:mc="http://schemas.openxmlformats.org/markup-compatibility/2006" xmlns:mv="urn:schemas-microsoft-com:mac:vml" xmlns:p="http://schemas.openxmlformats.org/presentationml/2006/main" xmlns:c="http://schemas.openxmlformats.org/drawingml/2006/chart" xmlns:dgm="http://schemas.openxmlformats.org/drawingml/2006/diagram" xmlns:o="urn:schemas-microsoft-com:office:office" xmlns:v="urn:schemas-microsoft-com:vml" xmlns:pvml="urn:schemas-microsoft-com:office:powerpoint" xmlns:com="http://schemas.openxmlformats.org/drawingml/2006/compatibility" xmlns:p14="http://schemas.microsoft.com/office/powerpoint/2010/main" xmlns:p15="http://schemas.microsoft.com/office/powerpoint/2012/main" xmlns:ahyp="http://schemas.microsoft.com/office/drawing/2018/hyperlinkcolor">
   <p:cSld>
+    <p:bg>
+      <p:bgPr>
+        <a:solidFill>
+          <a:schemeClr val="lt2"/>
+        </a:solidFill>
+      </p:bgPr>
+    </p:bg>
     <p:spTree>
       <p:nvGrpSpPr>
-        <p:cNvPr id="318" name="Shape 318"/>
+        <p:cNvPr id="321" name="Shape 321"/>
         <p:cNvGrpSpPr/>
         <p:nvPr/>
       </p:nvGrpSpPr>
@@ -17293,7 +17481,7 @@
       </p:grpSpPr>
       <p:sp>
         <p:nvSpPr>
-          <p:cNvPr id="319" name="Google Shape;319;p17"/>
+          <p:cNvPr id="322" name="Google Shape;322;p17"/>
           <p:cNvSpPr txBox="1"/>
           <p:nvPr>
             <p:ph type="title"/>
@@ -17333,7 +17521,7 @@
       </p:sp>
       <p:sp>
         <p:nvSpPr>
-          <p:cNvPr id="320" name="Google Shape;320;p17"/>
+          <p:cNvPr id="323" name="Google Shape;323;p17"/>
           <p:cNvSpPr txBox="1"/>
           <p:nvPr>
             <p:ph idx="1" type="body"/>
@@ -17418,6 +17606,46 @@
           </a:p>
         </p:txBody>
       </p:sp>
+      <p:sp>
+        <p:nvSpPr>
+          <p:cNvPr id="324" name="Google Shape;324;p17"/>
+          <p:cNvSpPr txBox="1"/>
+          <p:nvPr>
+            <p:ph idx="12" type="sldNum"/>
+          </p:nvPr>
+        </p:nvSpPr>
+        <p:spPr>
+          <a:xfrm>
+            <a:off x="8451046" y="4736976"/>
+            <a:ext cx="548700" cy="393600"/>
+          </a:xfrm>
+          <a:prstGeom prst="rect">
+            <a:avLst/>
+          </a:prstGeom>
+        </p:spPr>
+        <p:txBody>
+          <a:bodyPr anchorCtr="0" anchor="ctr" bIns="91425" lIns="91425" spcFirstLastPara="1" rIns="91425" wrap="square" tIns="91425">
+            <a:normAutofit/>
+          </a:bodyPr>
+          <a:lstStyle/>
+          <a:p>
+            <a:pPr indent="0" lvl="0" marL="0" rtl="0" algn="r">
+              <a:spcBef>
+                <a:spcPts val="0"/>
+              </a:spcBef>
+              <a:spcAft>
+                <a:spcPts val="0"/>
+              </a:spcAft>
+              <a:buNone/>
+            </a:pPr>
+            <a:fld id="{00000000-1234-1234-1234-123412341234}" type="slidenum">
+              <a:rPr lang="en-GB"/>
+              <a:t>‹#›</a:t>
+            </a:fld>
+            <a:endParaRPr/>
+          </a:p>
+        </p:txBody>
+      </p:sp>
     </p:spTree>
   </p:cSld>
   <p:clrMapOvr>
@@ -17429,9 +17657,16 @@
 <file path=ppt/slides/slide6.xml><?xml version="1.0" encoding="utf-8"?>
 <p:sld xmlns:a="http://schemas.openxmlformats.org/drawingml/2006/main" xmlns:r="http://schemas.openxmlformats.org/officeDocument/2006/relationships" xmlns:mc="http://schemas.openxmlformats.org/markup-compatibility/2006" xmlns:mv="urn:schemas-microsoft-com:mac:vml" xmlns:p="http://schemas.openxmlformats.org/presentationml/2006/main" xmlns:c="http://schemas.openxmlformats.org/drawingml/2006/chart" xmlns:dgm="http://schemas.openxmlformats.org/drawingml/2006/diagram" xmlns:o="urn:schemas-microsoft-com:office:office" xmlns:v="urn:schemas-microsoft-com:vml" xmlns:pvml="urn:schemas-microsoft-com:office:powerpoint" xmlns:com="http://schemas.openxmlformats.org/drawingml/2006/compatibility" xmlns:p14="http://schemas.microsoft.com/office/powerpoint/2010/main" xmlns:p15="http://schemas.microsoft.com/office/powerpoint/2012/main" xmlns:ahyp="http://schemas.microsoft.com/office/drawing/2018/hyperlinkcolor">
   <p:cSld>
+    <p:bg>
+      <p:bgPr>
+        <a:solidFill>
+          <a:schemeClr val="lt2"/>
+        </a:solidFill>
+      </p:bgPr>
+    </p:bg>
     <p:spTree>
       <p:nvGrpSpPr>
-        <p:cNvPr id="324" name="Shape 324"/>
+        <p:cNvPr id="328" name="Shape 328"/>
         <p:cNvGrpSpPr/>
         <p:nvPr/>
       </p:nvGrpSpPr>
@@ -17445,7 +17680,7 @@
       </p:grpSpPr>
       <p:sp>
         <p:nvSpPr>
-          <p:cNvPr id="325" name="Google Shape;325;p18"/>
+          <p:cNvPr id="329" name="Google Shape;329;p18"/>
           <p:cNvSpPr txBox="1"/>
           <p:nvPr>
             <p:ph type="title"/>
@@ -17485,7 +17720,7 @@
       </p:sp>
       <p:sp>
         <p:nvSpPr>
-          <p:cNvPr id="326" name="Google Shape;326;p18"/>
+          <p:cNvPr id="330" name="Google Shape;330;p18"/>
           <p:cNvSpPr txBox="1"/>
           <p:nvPr>
             <p:ph idx="1" type="body"/>
@@ -17518,9 +17753,83 @@
             </a:pPr>
             <a:r>
               <a:rPr lang="en-GB" sz="1600"/>
-              <a:t>Using 10 years of sale price data we will train our ML model to identify which property type and borough will property buyers get highest ROI in and validate against 5 years of sales data from 2013-2018</a:t>
+              <a:t>Using 10 years of sale price data we will train our ML model to calculate optimal price based on property type and borough in NYC. </a:t>
             </a:r>
             <a:endParaRPr sz="1600"/>
+          </a:p>
+          <a:p>
+            <a:pPr indent="-330200" lvl="0" marL="457200" rtl="0" algn="l">
+              <a:spcBef>
+                <a:spcPts val="0"/>
+              </a:spcBef>
+              <a:spcAft>
+                <a:spcPts val="0"/>
+              </a:spcAft>
+              <a:buSzPts val="1600"/>
+              <a:buChar char="●"/>
+            </a:pPr>
+            <a:r>
+              <a:rPr lang="en-GB" sz="1600"/>
+              <a:t>We will test it against 5 years of sales data from 2013-2018.</a:t>
+            </a:r>
+            <a:endParaRPr sz="1600"/>
+          </a:p>
+          <a:p>
+            <a:pPr indent="-330200" lvl="0" marL="457200" rtl="0" algn="l">
+              <a:spcBef>
+                <a:spcPts val="0"/>
+              </a:spcBef>
+              <a:spcAft>
+                <a:spcPts val="0"/>
+              </a:spcAft>
+              <a:buSzPts val="1600"/>
+              <a:buChar char="●"/>
+            </a:pPr>
+            <a:r>
+              <a:rPr lang="en-GB" sz="1600"/>
+              <a:t>We will identify property type and location which will provide the highest ROI for potential buyers.</a:t>
+            </a:r>
+            <a:endParaRPr sz="1600"/>
+          </a:p>
+        </p:txBody>
+      </p:sp>
+      <p:sp>
+        <p:nvSpPr>
+          <p:cNvPr id="331" name="Google Shape;331;p18"/>
+          <p:cNvSpPr txBox="1"/>
+          <p:nvPr>
+            <p:ph idx="12" type="sldNum"/>
+          </p:nvPr>
+        </p:nvSpPr>
+        <p:spPr>
+          <a:xfrm>
+            <a:off x="8451046" y="4736976"/>
+            <a:ext cx="548700" cy="393600"/>
+          </a:xfrm>
+          <a:prstGeom prst="rect">
+            <a:avLst/>
+          </a:prstGeom>
+        </p:spPr>
+        <p:txBody>
+          <a:bodyPr anchorCtr="0" anchor="ctr" bIns="91425" lIns="91425" spcFirstLastPara="1" rIns="91425" wrap="square" tIns="91425">
+            <a:normAutofit/>
+          </a:bodyPr>
+          <a:lstStyle/>
+          <a:p>
+            <a:pPr indent="0" lvl="0" marL="0" rtl="0" algn="r">
+              <a:spcBef>
+                <a:spcPts val="0"/>
+              </a:spcBef>
+              <a:spcAft>
+                <a:spcPts val="0"/>
+              </a:spcAft>
+              <a:buNone/>
+            </a:pPr>
+            <a:fld id="{00000000-1234-1234-1234-123412341234}" type="slidenum">
+              <a:rPr lang="en-GB"/>
+              <a:t>‹#›</a:t>
+            </a:fld>
+            <a:endParaRPr/>
           </a:p>
         </p:txBody>
       </p:sp>
@@ -17535,9 +17844,16 @@
 <file path=ppt/slides/slide7.xml><?xml version="1.0" encoding="utf-8"?>
 <p:sld xmlns:a="http://schemas.openxmlformats.org/drawingml/2006/main" xmlns:r="http://schemas.openxmlformats.org/officeDocument/2006/relationships" xmlns:mc="http://schemas.openxmlformats.org/markup-compatibility/2006" xmlns:mv="urn:schemas-microsoft-com:mac:vml" xmlns:p="http://schemas.openxmlformats.org/presentationml/2006/main" xmlns:c="http://schemas.openxmlformats.org/drawingml/2006/chart" xmlns:dgm="http://schemas.openxmlformats.org/drawingml/2006/diagram" xmlns:o="urn:schemas-microsoft-com:office:office" xmlns:v="urn:schemas-microsoft-com:vml" xmlns:pvml="urn:schemas-microsoft-com:office:powerpoint" xmlns:com="http://schemas.openxmlformats.org/drawingml/2006/compatibility" xmlns:p14="http://schemas.microsoft.com/office/powerpoint/2010/main" xmlns:p15="http://schemas.microsoft.com/office/powerpoint/2012/main" xmlns:ahyp="http://schemas.microsoft.com/office/drawing/2018/hyperlinkcolor">
   <p:cSld>
+    <p:bg>
+      <p:bgPr>
+        <a:solidFill>
+          <a:schemeClr val="lt2"/>
+        </a:solidFill>
+      </p:bgPr>
+    </p:bg>
     <p:spTree>
       <p:nvGrpSpPr>
-        <p:cNvPr id="330" name="Shape 330"/>
+        <p:cNvPr id="335" name="Shape 335"/>
         <p:cNvGrpSpPr/>
         <p:nvPr/>
       </p:nvGrpSpPr>
@@ -17551,7 +17867,7 @@
       </p:grpSpPr>
       <p:sp>
         <p:nvSpPr>
-          <p:cNvPr id="331" name="Google Shape;331;p19"/>
+          <p:cNvPr id="336" name="Google Shape;336;p19"/>
           <p:cNvSpPr txBox="1"/>
           <p:nvPr>
             <p:ph type="title"/>
@@ -17591,7 +17907,7 @@
       </p:sp>
       <p:sp>
         <p:nvSpPr>
-          <p:cNvPr id="332" name="Google Shape;332;p19"/>
+          <p:cNvPr id="337" name="Google Shape;337;p19"/>
           <p:cNvSpPr txBox="1"/>
           <p:nvPr>
             <p:ph idx="1" type="body"/>
@@ -17599,8 +17915,8 @@
         </p:nvSpPr>
         <p:spPr>
           <a:xfrm>
-            <a:off x="1303800" y="1990050"/>
-            <a:ext cx="7030500" cy="2541600"/>
+            <a:off x="993000" y="1597875"/>
+            <a:ext cx="7030500" cy="2805600"/>
           </a:xfrm>
           <a:prstGeom prst="rect">
             <a:avLst/>
@@ -17608,170 +17924,286 @@
         </p:spPr>
         <p:txBody>
           <a:bodyPr anchorCtr="0" anchor="t" bIns="91425" lIns="91425" spcFirstLastPara="1" rIns="91425" wrap="square" tIns="91425">
-            <a:normAutofit fontScale="47500" lnSpcReduction="10000"/>
+            <a:noAutofit/>
           </a:bodyPr>
           <a:lstStyle/>
           <a:p>
-            <a:pPr indent="0" lvl="0" marL="0" rtl="0" algn="l">
-              <a:spcBef>
-                <a:spcPts val="0"/>
-              </a:spcBef>
-              <a:spcAft>
-                <a:spcPts val="0"/>
-              </a:spcAft>
-              <a:buNone/>
+            <a:pPr indent="-318293" lvl="0" marL="457200" rtl="0" algn="l">
+              <a:lnSpc>
+                <a:spcPct val="95000"/>
+              </a:lnSpc>
+              <a:spcBef>
+                <a:spcPts val="0"/>
+              </a:spcBef>
+              <a:spcAft>
+                <a:spcPts val="0"/>
+              </a:spcAft>
+              <a:buSzPts val="1413"/>
+              <a:buChar char="●"/>
             </a:pPr>
             <a:r>
-              <a:rPr b="1" lang="en-GB"/>
+              <a:rPr b="1" lang="en-GB" sz="1412"/>
               <a:t>Data Cleaning and Analysis &amp; Joins</a:t>
             </a:r>
-            <a:endParaRPr b="1"/>
+            <a:endParaRPr b="1" sz="1412"/>
+          </a:p>
+          <a:p>
+            <a:pPr indent="0" lvl="0" marL="457200" rtl="0" algn="l">
+              <a:lnSpc>
+                <a:spcPct val="95000"/>
+              </a:lnSpc>
+              <a:spcBef>
+                <a:spcPts val="1200"/>
+              </a:spcBef>
+              <a:spcAft>
+                <a:spcPts val="0"/>
+              </a:spcAft>
+              <a:buSzPts val="688"/>
+              <a:buNone/>
+            </a:pPr>
+            <a:r>
+              <a:rPr b="1" lang="en-GB" sz="1012"/>
+              <a:t>PySpark</a:t>
+            </a:r>
+            <a:r>
+              <a:rPr i="1" lang="en-GB" sz="1012"/>
+              <a:t> </a:t>
+            </a:r>
+            <a:r>
+              <a:rPr lang="en-GB" sz="1012"/>
+              <a:t>will be used to clean the data and perform an exploratory analysis. Further analysis will be completed using</a:t>
+            </a:r>
+            <a:r>
+              <a:rPr i="1" lang="en-GB" sz="1012"/>
+              <a:t> </a:t>
+            </a:r>
+            <a:r>
+              <a:rPr b="1" lang="en-GB" sz="1012"/>
+              <a:t>Postgres SQL</a:t>
+            </a:r>
+            <a:r>
+              <a:rPr i="1" lang="en-GB" sz="1012"/>
+              <a:t>.</a:t>
+            </a:r>
+            <a:endParaRPr i="1" sz="1012"/>
+          </a:p>
+          <a:p>
+            <a:pPr indent="-318293" lvl="0" marL="457200" marR="0" rtl="0" algn="l">
+              <a:lnSpc>
+                <a:spcPct val="115000"/>
+              </a:lnSpc>
+              <a:spcBef>
+                <a:spcPts val="1200"/>
+              </a:spcBef>
+              <a:spcAft>
+                <a:spcPts val="0"/>
+              </a:spcAft>
+              <a:buSzPts val="1413"/>
+              <a:buChar char="●"/>
+            </a:pPr>
+            <a:r>
+              <a:rPr b="1" lang="en-GB" sz="1412"/>
+              <a:t>Database Storage</a:t>
+            </a:r>
+            <a:endParaRPr b="1" sz="2000"/>
+          </a:p>
+          <a:p>
+            <a:pPr indent="0" lvl="0" marL="457200" rtl="0" algn="l">
+              <a:lnSpc>
+                <a:spcPct val="95000"/>
+              </a:lnSpc>
+              <a:spcBef>
+                <a:spcPts val="1200"/>
+              </a:spcBef>
+              <a:spcAft>
+                <a:spcPts val="0"/>
+              </a:spcAft>
+              <a:buSzPts val="688"/>
+              <a:buNone/>
+            </a:pPr>
+            <a:r>
+              <a:rPr b="1" lang="en-GB" sz="1012"/>
+              <a:t>Google CoLab</a:t>
+            </a:r>
+            <a:r>
+              <a:rPr lang="en-GB" sz="1012"/>
+              <a:t> is the database we intend to use, and we will integrate </a:t>
+            </a:r>
+            <a:r>
+              <a:rPr b="1" lang="en-GB" sz="1012"/>
+              <a:t>GitHub</a:t>
+            </a:r>
+            <a:r>
+              <a:rPr lang="en-GB" sz="1012"/>
+              <a:t> to display the data.</a:t>
+            </a:r>
+            <a:endParaRPr sz="1012"/>
+          </a:p>
+          <a:p>
+            <a:pPr indent="-318293" lvl="0" marL="457200" rtl="0" algn="l">
+              <a:lnSpc>
+                <a:spcPct val="95000"/>
+              </a:lnSpc>
+              <a:spcBef>
+                <a:spcPts val="1200"/>
+              </a:spcBef>
+              <a:spcAft>
+                <a:spcPts val="0"/>
+              </a:spcAft>
+              <a:buSzPts val="1413"/>
+              <a:buChar char="●"/>
+            </a:pPr>
+            <a:r>
+              <a:rPr b="1" lang="en-GB" sz="1412"/>
+              <a:t>Machine Learning</a:t>
+            </a:r>
+            <a:endParaRPr b="1" sz="1412"/>
+          </a:p>
+          <a:p>
+            <a:pPr indent="0" lvl="0" marL="457200" rtl="0" algn="l">
+              <a:lnSpc>
+                <a:spcPct val="95000"/>
+              </a:lnSpc>
+              <a:spcBef>
+                <a:spcPts val="1200"/>
+              </a:spcBef>
+              <a:spcAft>
+                <a:spcPts val="0"/>
+              </a:spcAft>
+              <a:buSzPts val="688"/>
+              <a:buNone/>
+            </a:pPr>
+            <a:r>
+              <a:rPr b="1" lang="en-GB" sz="1012"/>
+              <a:t>Supervised Learning</a:t>
+            </a:r>
+            <a:r>
+              <a:rPr lang="en-GB" sz="1012"/>
+              <a:t> - We will test </a:t>
+            </a:r>
+            <a:r>
+              <a:rPr b="1" lang="en-GB" sz="1012"/>
+              <a:t>Linear &amp; Multiple Linear Regression</a:t>
+            </a:r>
+            <a:r>
+              <a:rPr lang="en-GB" sz="1012"/>
+              <a:t>.</a:t>
+            </a:r>
+            <a:endParaRPr sz="1012"/>
+          </a:p>
+          <a:p>
+            <a:pPr indent="-318293" lvl="0" marL="457200" rtl="0" algn="l">
+              <a:lnSpc>
+                <a:spcPct val="95000"/>
+              </a:lnSpc>
+              <a:spcBef>
+                <a:spcPts val="1200"/>
+              </a:spcBef>
+              <a:spcAft>
+                <a:spcPts val="0"/>
+              </a:spcAft>
+              <a:buSzPts val="1413"/>
+              <a:buChar char="●"/>
+            </a:pPr>
+            <a:r>
+              <a:rPr b="1" lang="en-GB" sz="1412"/>
+              <a:t>Dashboard</a:t>
+            </a:r>
+            <a:endParaRPr b="1" sz="1412"/>
+          </a:p>
+          <a:p>
+            <a:pPr indent="0" lvl="0" marL="457200" rtl="0" algn="l">
+              <a:lnSpc>
+                <a:spcPct val="95000"/>
+              </a:lnSpc>
+              <a:spcBef>
+                <a:spcPts val="1200"/>
+              </a:spcBef>
+              <a:spcAft>
+                <a:spcPts val="0"/>
+              </a:spcAft>
+              <a:buSzPts val="688"/>
+              <a:buNone/>
+            </a:pPr>
+            <a:r>
+              <a:rPr lang="en-GB" sz="1012"/>
+              <a:t>We will also integrate </a:t>
+            </a:r>
+            <a:r>
+              <a:rPr b="1" lang="en-GB" sz="1012"/>
+              <a:t>D3.js</a:t>
+            </a:r>
+            <a:r>
+              <a:rPr lang="en-GB" sz="1012"/>
+              <a:t> for a fully functioning and interactive dashboard. It will be hosted on </a:t>
+            </a:r>
+            <a:r>
+              <a:rPr b="1" lang="en-GB" sz="1012"/>
+              <a:t>GitHub</a:t>
+            </a:r>
+            <a:r>
+              <a:rPr lang="en-GB" sz="1012"/>
+              <a:t>.</a:t>
+            </a:r>
+            <a:endParaRPr sz="1012"/>
           </a:p>
           <a:p>
             <a:pPr indent="0" lvl="0" marL="0" rtl="0" algn="l">
+              <a:lnSpc>
+                <a:spcPct val="95000"/>
+              </a:lnSpc>
               <a:spcBef>
                 <a:spcPts val="1200"/>
               </a:spcBef>
               <a:spcAft>
-                <a:spcPts val="0"/>
-              </a:spcAft>
-              <a:buNone/>
-            </a:pPr>
-            <a:r>
-              <a:rPr b="1" lang="en-GB"/>
-              <a:t>Postgres SQL</a:t>
-            </a:r>
-            <a:endParaRPr b="1"/>
-          </a:p>
-          <a:p>
-            <a:pPr indent="0" lvl="0" marL="0" rtl="0" algn="l">
-              <a:spcBef>
                 <a:spcPts val="1200"/>
-              </a:spcBef>
-              <a:spcAft>
-                <a:spcPts val="0"/>
-              </a:spcAft>
-              <a:buNone/>
-            </a:pPr>
-            <a:r>
-              <a:rPr i="1" lang="en-GB"/>
-              <a:t>Pandas will be used to clean the data and perform an exploratory analysis. Further analysis will be completed using Python.</a:t>
-            </a:r>
-            <a:endParaRPr i="1"/>
-          </a:p>
-          <a:p>
-            <a:pPr indent="0" lvl="0" marL="0" rtl="0" algn="l">
-              <a:spcBef>
-                <a:spcPts val="1200"/>
-              </a:spcBef>
-              <a:spcAft>
-                <a:spcPts val="0"/>
-              </a:spcAft>
-              <a:buNone/>
-            </a:pPr>
-            <a:r>
-              <a:rPr b="1" lang="en-GB"/>
-              <a:t>Database Storage</a:t>
-            </a:r>
-            <a:endParaRPr b="1"/>
-          </a:p>
-          <a:p>
-            <a:pPr indent="0" lvl="0" marL="0" rtl="0" algn="l">
-              <a:spcBef>
-                <a:spcPts val="1200"/>
-              </a:spcBef>
-              <a:spcAft>
-                <a:spcPts val="0"/>
-              </a:spcAft>
-              <a:buNone/>
-            </a:pPr>
-            <a:r>
-              <a:rPr lang="en-GB"/>
-              <a:t>Mongo</a:t>
-            </a:r>
-            <a:r>
-              <a:rPr lang="en-GB"/>
-              <a:t> is the database we intend to use, and we will integrate Flask to display the data.</a:t>
-            </a:r>
-            <a:endParaRPr/>
-          </a:p>
-          <a:p>
-            <a:pPr indent="0" lvl="0" marL="0" rtl="0" algn="l">
-              <a:spcBef>
-                <a:spcPts val="1200"/>
-              </a:spcBef>
-              <a:spcAft>
-                <a:spcPts val="0"/>
-              </a:spcAft>
-              <a:buNone/>
-            </a:pPr>
-            <a:r>
-              <a:rPr b="1" lang="en-GB"/>
-              <a:t>Machine Learning</a:t>
-            </a:r>
-            <a:endParaRPr b="1"/>
-          </a:p>
-          <a:p>
-            <a:pPr indent="0" lvl="0" marL="0" rtl="0" algn="l">
-              <a:spcBef>
-                <a:spcPts val="1200"/>
-              </a:spcBef>
-              <a:spcAft>
-                <a:spcPts val="0"/>
-              </a:spcAft>
-              <a:buNone/>
-            </a:pPr>
-            <a:r>
-              <a:rPr lang="en-GB"/>
-              <a:t>SciKitLearn is the ML library we'll be using to create a classifier. Our training and testing setup is ___. Extra ML verbiage here.</a:t>
-            </a:r>
-            <a:endParaRPr/>
-          </a:p>
-          <a:p>
-            <a:pPr indent="0" lvl="0" marL="0" rtl="0" algn="l">
-              <a:spcBef>
-                <a:spcPts val="1200"/>
-              </a:spcBef>
-              <a:spcAft>
-                <a:spcPts val="0"/>
-              </a:spcAft>
-              <a:buNone/>
-            </a:pPr>
-            <a:r>
-              <a:rPr b="1" lang="en-GB"/>
-              <a:t>Dashboard</a:t>
-            </a:r>
-            <a:endParaRPr b="1"/>
-          </a:p>
-          <a:p>
-            <a:pPr indent="0" lvl="0" marL="0" rtl="0" algn="l">
-              <a:spcBef>
-                <a:spcPts val="1200"/>
-              </a:spcBef>
-              <a:spcAft>
-                <a:spcPts val="0"/>
-              </a:spcAft>
-              <a:buNone/>
-            </a:pPr>
-            <a:r>
-              <a:rPr lang="en-GB"/>
-              <a:t>In addition to using a Flask template, we will also integrate D3.js for a fully functioning and interactive dashboard. It will be hosted on ___.</a:t>
-            </a:r>
-            <a:endParaRPr/>
-          </a:p>
-          <a:p>
-            <a:pPr indent="0" lvl="0" marL="0" rtl="0" algn="l">
-              <a:spcBef>
-                <a:spcPts val="1200"/>
-              </a:spcBef>
-              <a:spcAft>
-                <a:spcPts val="1200"/>
-              </a:spcAft>
+              </a:spcAft>
+              <a:buSzPts val="688"/>
               <a:buNone/>
             </a:pPr>
             <a:r>
               <a:t/>
             </a:r>
+            <a:endParaRPr sz="1012"/>
+          </a:p>
+        </p:txBody>
+      </p:sp>
+      <p:sp>
+        <p:nvSpPr>
+          <p:cNvPr id="338" name="Google Shape;338;p19"/>
+          <p:cNvSpPr txBox="1"/>
+          <p:nvPr>
+            <p:ph idx="12" type="sldNum"/>
+          </p:nvPr>
+        </p:nvSpPr>
+        <p:spPr>
+          <a:xfrm>
+            <a:off x="8451046" y="4736976"/>
+            <a:ext cx="548700" cy="393600"/>
+          </a:xfrm>
+          <a:prstGeom prst="rect">
+            <a:avLst/>
+          </a:prstGeom>
+        </p:spPr>
+        <p:txBody>
+          <a:bodyPr anchorCtr="0" anchor="ctr" bIns="91425" lIns="91425" spcFirstLastPara="1" rIns="91425" wrap="square" tIns="91425">
+            <a:normAutofit/>
+          </a:bodyPr>
+          <a:lstStyle/>
+          <a:p>
+            <a:pPr indent="0" lvl="0" marL="0" rtl="0" algn="r">
+              <a:spcBef>
+                <a:spcPts val="0"/>
+              </a:spcBef>
+              <a:spcAft>
+                <a:spcPts val="0"/>
+              </a:spcAft>
+              <a:buNone/>
+            </a:pPr>
+            <a:fld id="{00000000-1234-1234-1234-123412341234}" type="slidenum">
+              <a:rPr lang="en-GB"/>
+              <a:t>‹#›</a:t>
+            </a:fld>
             <a:endParaRPr/>
           </a:p>
         </p:txBody>
